--- a/Twitter brand sentiment analysis.pptx
+++ b/Twitter brand sentiment analysis.pptx
@@ -8,12 +8,14 @@
     <p:sldId id="257" r:id="rId2"/>
     <p:sldId id="258" r:id="rId3"/>
     <p:sldId id="259" r:id="rId4"/>
-    <p:sldId id="260" r:id="rId5"/>
-    <p:sldId id="261" r:id="rId6"/>
-    <p:sldId id="262" r:id="rId7"/>
-    <p:sldId id="263" r:id="rId8"/>
-    <p:sldId id="264" r:id="rId9"/>
-    <p:sldId id="265" r:id="rId10"/>
+    <p:sldId id="266" r:id="rId5"/>
+    <p:sldId id="260" r:id="rId6"/>
+    <p:sldId id="261" r:id="rId7"/>
+    <p:sldId id="262" r:id="rId8"/>
+    <p:sldId id="267" r:id="rId9"/>
+    <p:sldId id="263" r:id="rId10"/>
+    <p:sldId id="264" r:id="rId11"/>
+    <p:sldId id="265" r:id="rId12"/>
   </p:sldIdLst>
   <p:sldSz cx="12192000" cy="6858000"/>
   <p:notesSz cx="6858000" cy="9144000"/>
@@ -112,6 +114,11 @@
       </a:defRPr>
     </a:lvl9pPr>
   </p:defaultTextStyle>
+  <p:extLst>
+    <p:ext uri="{EFAFB233-063F-42B5-8137-9DF3F51BA10A}">
+      <p15:sldGuideLst xmlns:p15="http://schemas.microsoft.com/office/powerpoint/2012/main"/>
+    </p:ext>
+  </p:extLst>
 </p:presentation>
 </file>
 
@@ -262,7 +269,7 @@
           <a:p>
             <a:fld id="{153F4218-126D-4D5D-A1F5-F2A3A5638A27}" type="datetimeFigureOut">
               <a:rPr lang="en-US" smtClean="0"/>
-              <a:t>10/28/2025</a:t>
+              <a:t>10/31/2025</a:t>
             </a:fld>
             <a:endParaRPr lang="en-US"/>
           </a:p>
@@ -460,7 +467,7 @@
           <a:p>
             <a:fld id="{153F4218-126D-4D5D-A1F5-F2A3A5638A27}" type="datetimeFigureOut">
               <a:rPr lang="en-US" smtClean="0"/>
-              <a:t>10/28/2025</a:t>
+              <a:t>10/31/2025</a:t>
             </a:fld>
             <a:endParaRPr lang="en-US"/>
           </a:p>
@@ -668,7 +675,7 @@
           <a:p>
             <a:fld id="{153F4218-126D-4D5D-A1F5-F2A3A5638A27}" type="datetimeFigureOut">
               <a:rPr lang="en-US" smtClean="0"/>
-              <a:t>10/28/2025</a:t>
+              <a:t>10/31/2025</a:t>
             </a:fld>
             <a:endParaRPr lang="en-US"/>
           </a:p>
@@ -866,7 +873,7 @@
           <a:p>
             <a:fld id="{153F4218-126D-4D5D-A1F5-F2A3A5638A27}" type="datetimeFigureOut">
               <a:rPr lang="en-US" smtClean="0"/>
-              <a:t>10/28/2025</a:t>
+              <a:t>10/31/2025</a:t>
             </a:fld>
             <a:endParaRPr lang="en-US"/>
           </a:p>
@@ -1141,7 +1148,7 @@
           <a:p>
             <a:fld id="{153F4218-126D-4D5D-A1F5-F2A3A5638A27}" type="datetimeFigureOut">
               <a:rPr lang="en-US" smtClean="0"/>
-              <a:t>10/28/2025</a:t>
+              <a:t>10/31/2025</a:t>
             </a:fld>
             <a:endParaRPr lang="en-US"/>
           </a:p>
@@ -1406,7 +1413,7 @@
           <a:p>
             <a:fld id="{153F4218-126D-4D5D-A1F5-F2A3A5638A27}" type="datetimeFigureOut">
               <a:rPr lang="en-US" smtClean="0"/>
-              <a:t>10/28/2025</a:t>
+              <a:t>10/31/2025</a:t>
             </a:fld>
             <a:endParaRPr lang="en-US"/>
           </a:p>
@@ -1818,7 +1825,7 @@
           <a:p>
             <a:fld id="{153F4218-126D-4D5D-A1F5-F2A3A5638A27}" type="datetimeFigureOut">
               <a:rPr lang="en-US" smtClean="0"/>
-              <a:t>10/28/2025</a:t>
+              <a:t>10/31/2025</a:t>
             </a:fld>
             <a:endParaRPr lang="en-US"/>
           </a:p>
@@ -1959,7 +1966,7 @@
           <a:p>
             <a:fld id="{153F4218-126D-4D5D-A1F5-F2A3A5638A27}" type="datetimeFigureOut">
               <a:rPr lang="en-US" smtClean="0"/>
-              <a:t>10/28/2025</a:t>
+              <a:t>10/31/2025</a:t>
             </a:fld>
             <a:endParaRPr lang="en-US"/>
           </a:p>
@@ -2072,7 +2079,7 @@
           <a:p>
             <a:fld id="{153F4218-126D-4D5D-A1F5-F2A3A5638A27}" type="datetimeFigureOut">
               <a:rPr lang="en-US" smtClean="0"/>
-              <a:t>10/28/2025</a:t>
+              <a:t>10/31/2025</a:t>
             </a:fld>
             <a:endParaRPr lang="en-US"/>
           </a:p>
@@ -2383,7 +2390,7 @@
           <a:p>
             <a:fld id="{153F4218-126D-4D5D-A1F5-F2A3A5638A27}" type="datetimeFigureOut">
               <a:rPr lang="en-US" smtClean="0"/>
-              <a:t>10/28/2025</a:t>
+              <a:t>10/31/2025</a:t>
             </a:fld>
             <a:endParaRPr lang="en-US"/>
           </a:p>
@@ -2671,7 +2678,7 @@
           <a:p>
             <a:fld id="{153F4218-126D-4D5D-A1F5-F2A3A5638A27}" type="datetimeFigureOut">
               <a:rPr lang="en-US" smtClean="0"/>
-              <a:t>10/28/2025</a:t>
+              <a:t>10/31/2025</a:t>
             </a:fld>
             <a:endParaRPr lang="en-US"/>
           </a:p>
@@ -2912,7 +2919,7 @@
           <a:p>
             <a:fld id="{153F4218-126D-4D5D-A1F5-F2A3A5638A27}" type="datetimeFigureOut">
               <a:rPr lang="en-US" smtClean="0"/>
-              <a:t>10/28/2025</a:t>
+              <a:t>10/31/2025</a:t>
             </a:fld>
             <a:endParaRPr lang="en-US"/>
           </a:p>
@@ -3436,6 +3443,205 @@
 </p:sld>
 </file>
 
+<file path=ppt/slides/slide10.xml><?xml version="1.0" encoding="utf-8"?>
+<p:sld xmlns:a="http://schemas.openxmlformats.org/drawingml/2006/main" xmlns:r="http://schemas.openxmlformats.org/officeDocument/2006/relationships" xmlns:p="http://schemas.openxmlformats.org/presentationml/2006/main">
+  <p:cSld>
+    <p:spTree>
+      <p:nvGrpSpPr>
+        <p:cNvPr id="1" name=""/>
+        <p:cNvGrpSpPr/>
+        <p:nvPr/>
+      </p:nvGrpSpPr>
+      <p:grpSpPr>
+        <a:xfrm>
+          <a:off x="0" y="0"/>
+          <a:ext cx="0" cy="0"/>
+          <a:chOff x="0" y="0"/>
+          <a:chExt cx="0" cy="0"/>
+        </a:xfrm>
+      </p:grpSpPr>
+      <p:sp>
+        <p:nvSpPr>
+          <p:cNvPr id="2" name="Title 1">
+            <a:extLst>
+              <a:ext uri="{FF2B5EF4-FFF2-40B4-BE49-F238E27FC236}">
+                <a16:creationId xmlns:a16="http://schemas.microsoft.com/office/drawing/2014/main" id="{980F7316-37E2-9D47-ED60-9822E30CF16E}"/>
+              </a:ext>
+            </a:extLst>
+          </p:cNvPr>
+          <p:cNvSpPr>
+            <a:spLocks noGrp="1"/>
+          </p:cNvSpPr>
+          <p:nvPr>
+            <p:ph type="title"/>
+          </p:nvPr>
+        </p:nvSpPr>
+        <p:spPr/>
+        <p:txBody>
+          <a:bodyPr>
+            <a:normAutofit fontScale="90000"/>
+          </a:bodyPr>
+          <a:lstStyle/>
+          <a:p>
+            <a:pPr algn="ctr"/>
+            <a:r>
+              <a:rPr lang="en-US" b="1" dirty="0"/>
+              <a:t> Deep Dive: Brand-Specific Sentiment</a:t>
+            </a:r>
+            <a:br>
+              <a:rPr lang="en-US" b="1" dirty="0"/>
+            </a:br>
+            <a:r>
+              <a:rPr lang="en-US" b="1" dirty="0"/>
+              <a:t>Brand-Specific Sentiment Distribution</a:t>
+            </a:r>
+            <a:br>
+              <a:rPr lang="en-US" b="1" dirty="0"/>
+            </a:br>
+            <a:endParaRPr lang="en-US" dirty="0"/>
+          </a:p>
+        </p:txBody>
+      </p:sp>
+      <p:pic>
+        <p:nvPicPr>
+          <p:cNvPr id="5" name="Content Placeholder 4">
+            <a:extLst>
+              <a:ext uri="{FF2B5EF4-FFF2-40B4-BE49-F238E27FC236}">
+                <a16:creationId xmlns:a16="http://schemas.microsoft.com/office/drawing/2014/main" id="{DA707D64-AE65-20DA-061B-D860C78DB5A6}"/>
+              </a:ext>
+            </a:extLst>
+          </p:cNvPr>
+          <p:cNvPicPr>
+            <a:picLocks noGrp="1" noChangeAspect="1"/>
+          </p:cNvPicPr>
+          <p:nvPr>
+            <p:ph idx="1"/>
+          </p:nvPr>
+        </p:nvPicPr>
+        <p:blipFill>
+          <a:blip r:embed="rId2"/>
+          <a:stretch>
+            <a:fillRect/>
+          </a:stretch>
+        </p:blipFill>
+        <p:spPr>
+          <a:xfrm>
+            <a:off x="2332203" y="1825625"/>
+            <a:ext cx="7527593" cy="4351338"/>
+          </a:xfrm>
+          <a:prstGeom prst="rect">
+            <a:avLst/>
+          </a:prstGeom>
+        </p:spPr>
+      </p:pic>
+    </p:spTree>
+    <p:extLst>
+      <p:ext uri="{BB962C8B-B14F-4D97-AF65-F5344CB8AC3E}">
+        <p14:creationId xmlns:p14="http://schemas.microsoft.com/office/powerpoint/2010/main" val="3270901464"/>
+      </p:ext>
+    </p:extLst>
+  </p:cSld>
+  <p:clrMapOvr>
+    <a:masterClrMapping/>
+  </p:clrMapOvr>
+</p:sld>
+</file>
+
+<file path=ppt/slides/slide11.xml><?xml version="1.0" encoding="utf-8"?>
+<p:sld xmlns:a="http://schemas.openxmlformats.org/drawingml/2006/main" xmlns:r="http://schemas.openxmlformats.org/officeDocument/2006/relationships" xmlns:p="http://schemas.openxmlformats.org/presentationml/2006/main">
+  <p:cSld>
+    <p:spTree>
+      <p:nvGrpSpPr>
+        <p:cNvPr id="1" name=""/>
+        <p:cNvGrpSpPr/>
+        <p:nvPr/>
+      </p:nvGrpSpPr>
+      <p:grpSpPr>
+        <a:xfrm>
+          <a:off x="0" y="0"/>
+          <a:ext cx="0" cy="0"/>
+          <a:chOff x="0" y="0"/>
+          <a:chExt cx="0" cy="0"/>
+        </a:xfrm>
+      </p:grpSpPr>
+      <p:sp>
+        <p:nvSpPr>
+          <p:cNvPr id="2" name="Title 1">
+            <a:extLst>
+              <a:ext uri="{FF2B5EF4-FFF2-40B4-BE49-F238E27FC236}">
+                <a16:creationId xmlns:a16="http://schemas.microsoft.com/office/drawing/2014/main" id="{C8A141CB-6D1B-D491-FA5F-9A15E5660DC1}"/>
+              </a:ext>
+            </a:extLst>
+          </p:cNvPr>
+          <p:cNvSpPr>
+            <a:spLocks noGrp="1"/>
+          </p:cNvSpPr>
+          <p:nvPr>
+            <p:ph type="title"/>
+          </p:nvPr>
+        </p:nvSpPr>
+        <p:spPr/>
+        <p:txBody>
+          <a:bodyPr/>
+          <a:lstStyle/>
+          <a:p>
+            <a:pPr algn="ctr"/>
+            <a:r>
+              <a:rPr lang="en-US" b="1" dirty="0"/>
+              <a:t>Twitter brand sentiment analysis</a:t>
+            </a:r>
+            <a:br>
+              <a:rPr lang="en-US" b="1" dirty="0"/>
+            </a:br>
+            <a:endParaRPr lang="en-US" b="1" dirty="0"/>
+          </a:p>
+        </p:txBody>
+      </p:sp>
+      <p:pic>
+        <p:nvPicPr>
+          <p:cNvPr id="7" name="Content Placeholder 6">
+            <a:extLst>
+              <a:ext uri="{FF2B5EF4-FFF2-40B4-BE49-F238E27FC236}">
+                <a16:creationId xmlns:a16="http://schemas.microsoft.com/office/drawing/2014/main" id="{4F94FEDF-175D-52B2-4BC6-500DA470BEA4}"/>
+              </a:ext>
+            </a:extLst>
+          </p:cNvPr>
+          <p:cNvPicPr>
+            <a:picLocks noGrp="1" noChangeAspect="1"/>
+          </p:cNvPicPr>
+          <p:nvPr>
+            <p:ph idx="1"/>
+          </p:nvPr>
+        </p:nvPicPr>
+        <p:blipFill>
+          <a:blip r:embed="rId2"/>
+          <a:stretch>
+            <a:fillRect/>
+          </a:stretch>
+        </p:blipFill>
+        <p:spPr>
+          <a:xfrm>
+            <a:off x="1305636" y="1269242"/>
+            <a:ext cx="9580727" cy="4962312"/>
+          </a:xfrm>
+          <a:prstGeom prst="rect">
+            <a:avLst/>
+          </a:prstGeom>
+        </p:spPr>
+      </p:pic>
+    </p:spTree>
+    <p:extLst>
+      <p:ext uri="{BB962C8B-B14F-4D97-AF65-F5344CB8AC3E}">
+        <p14:creationId xmlns:p14="http://schemas.microsoft.com/office/powerpoint/2010/main" val="3356155808"/>
+      </p:ext>
+    </p:extLst>
+  </p:cSld>
+  <p:clrMapOvr>
+    <a:masterClrMapping/>
+  </p:clrMapOvr>
+</p:sld>
+</file>
+
 <file path=ppt/slides/slide2.xml><?xml version="1.0" encoding="utf-8"?>
 <p:sld xmlns:a="http://schemas.openxmlformats.org/drawingml/2006/main" xmlns:r="http://schemas.openxmlformats.org/officeDocument/2006/relationships" xmlns:p="http://schemas.openxmlformats.org/presentationml/2006/main">
   <p:cSld>
@@ -3734,10 +3940,10 @@
       </p:sp>
       <p:pic>
         <p:nvPicPr>
-          <p:cNvPr id="5" name="Content Placeholder 4">
-            <a:extLst>
-              <a:ext uri="{FF2B5EF4-FFF2-40B4-BE49-F238E27FC236}">
-                <a16:creationId xmlns:a16="http://schemas.microsoft.com/office/drawing/2014/main" id="{4D872B14-4DE1-1DEA-39B2-3D4CADDDD5E9}"/>
+          <p:cNvPr id="7" name="Content Placeholder 6">
+            <a:extLst>
+              <a:ext uri="{FF2B5EF4-FFF2-40B4-BE49-F238E27FC236}">
+                <a16:creationId xmlns:a16="http://schemas.microsoft.com/office/drawing/2014/main" id="{E048D3A2-2A40-1CF2-D660-D43B7B510148}"/>
               </a:ext>
             </a:extLst>
           </p:cNvPr>
@@ -3756,8 +3962,8 @@
         </p:blipFill>
         <p:spPr>
           <a:xfrm>
-            <a:off x="1796143" y="1393371"/>
-            <a:ext cx="9056913" cy="5214258"/>
+            <a:off x="1337481" y="1146412"/>
+            <a:ext cx="9594375" cy="5030551"/>
           </a:xfrm>
           <a:prstGeom prst="rect">
             <a:avLst/>
@@ -3799,7 +4005,7 @@
           <p:cNvPr id="2" name="Title 1">
             <a:extLst>
               <a:ext uri="{FF2B5EF4-FFF2-40B4-BE49-F238E27FC236}">
-                <a16:creationId xmlns:a16="http://schemas.microsoft.com/office/drawing/2014/main" id="{D9BE856B-3149-E37B-0D33-4647EE3CDE4C}"/>
+                <a16:creationId xmlns:a16="http://schemas.microsoft.com/office/drawing/2014/main" id="{9634F57A-0B22-4EB9-6D1F-87B1E0FB2B97}"/>
               </a:ext>
             </a:extLst>
           </p:cNvPr>
@@ -3818,12 +4024,8 @@
             <a:pPr algn="ctr"/>
             <a:r>
               <a:rPr lang="en-US" b="1" dirty="0"/>
-              <a:t>Sentiment Analysis</a:t>
-            </a:r>
-            <a:br>
-              <a:rPr lang="en-US" b="1" dirty="0"/>
-            </a:br>
-            <a:endParaRPr lang="en-US" dirty="0"/>
+              <a:t>Daily sentiment trend</a:t>
+            </a:r>
           </a:p>
         </p:txBody>
       </p:sp>
@@ -3832,7 +4034,7 @@
           <p:cNvPr id="5" name="Content Placeholder 4">
             <a:extLst>
               <a:ext uri="{FF2B5EF4-FFF2-40B4-BE49-F238E27FC236}">
-                <a16:creationId xmlns:a16="http://schemas.microsoft.com/office/drawing/2014/main" id="{B77A006B-07E3-1CB9-93EB-104F1D6CA5AB}"/>
+                <a16:creationId xmlns:a16="http://schemas.microsoft.com/office/drawing/2014/main" id="{9889AB58-8A25-8F12-AB63-CEA6BBFCBEB2}"/>
               </a:ext>
             </a:extLst>
           </p:cNvPr>
@@ -3851,8 +4053,8 @@
         </p:blipFill>
         <p:spPr>
           <a:xfrm>
-            <a:off x="2374711" y="1460310"/>
-            <a:ext cx="7884254" cy="5032565"/>
+            <a:off x="2087214" y="1825625"/>
+            <a:ext cx="8017571" cy="4351338"/>
           </a:xfrm>
           <a:prstGeom prst="rect">
             <a:avLst/>
@@ -3862,7 +4064,7 @@
     </p:spTree>
     <p:extLst>
       <p:ext uri="{BB962C8B-B14F-4D97-AF65-F5344CB8AC3E}">
-        <p14:creationId xmlns:p14="http://schemas.microsoft.com/office/powerpoint/2010/main" val="1766617444"/>
+        <p14:creationId xmlns:p14="http://schemas.microsoft.com/office/powerpoint/2010/main" val="679205465"/>
       </p:ext>
     </p:extLst>
   </p:cSld>
@@ -3894,7 +4096,7 @@
           <p:cNvPr id="2" name="Title 1">
             <a:extLst>
               <a:ext uri="{FF2B5EF4-FFF2-40B4-BE49-F238E27FC236}">
-                <a16:creationId xmlns:a16="http://schemas.microsoft.com/office/drawing/2014/main" id="{BC9AACF9-EAD6-BBD3-D5B6-E37450614D73}"/>
+                <a16:creationId xmlns:a16="http://schemas.microsoft.com/office/drawing/2014/main" id="{D9BE856B-3149-E37B-0D33-4647EE3CDE4C}"/>
               </a:ext>
             </a:extLst>
           </p:cNvPr>
@@ -3913,7 +4115,7 @@
             <a:pPr algn="ctr"/>
             <a:r>
               <a:rPr lang="en-US" b="1" dirty="0"/>
-              <a:t>Word Clouds by Sentiment</a:t>
+              <a:t>Sentiment Analysis</a:t>
             </a:r>
             <a:br>
               <a:rPr lang="en-US" b="1" dirty="0"/>
@@ -3927,7 +4129,7 @@
           <p:cNvPr id="5" name="Content Placeholder 4">
             <a:extLst>
               <a:ext uri="{FF2B5EF4-FFF2-40B4-BE49-F238E27FC236}">
-                <a16:creationId xmlns:a16="http://schemas.microsoft.com/office/drawing/2014/main" id="{EA47A32E-EC84-2F2D-2B3D-3BF4750C8A2E}"/>
+                <a16:creationId xmlns:a16="http://schemas.microsoft.com/office/drawing/2014/main" id="{B77A006B-07E3-1CB9-93EB-104F1D6CA5AB}"/>
               </a:ext>
             </a:extLst>
           </p:cNvPr>
@@ -3946,8 +4148,8 @@
         </p:blipFill>
         <p:spPr>
           <a:xfrm>
-            <a:off x="3309167" y="1825625"/>
-            <a:ext cx="5573665" cy="4351338"/>
+            <a:off x="464024" y="1173708"/>
+            <a:ext cx="11259403" cy="5684292"/>
           </a:xfrm>
           <a:prstGeom prst="rect">
             <a:avLst/>
@@ -3957,7 +4159,7 @@
     </p:spTree>
     <p:extLst>
       <p:ext uri="{BB962C8B-B14F-4D97-AF65-F5344CB8AC3E}">
-        <p14:creationId xmlns:p14="http://schemas.microsoft.com/office/powerpoint/2010/main" val="1111147542"/>
+        <p14:creationId xmlns:p14="http://schemas.microsoft.com/office/powerpoint/2010/main" val="1766617444"/>
       </p:ext>
     </p:extLst>
   </p:cSld>
@@ -3989,7 +4191,7 @@
           <p:cNvPr id="2" name="Title 1">
             <a:extLst>
               <a:ext uri="{FF2B5EF4-FFF2-40B4-BE49-F238E27FC236}">
-                <a16:creationId xmlns:a16="http://schemas.microsoft.com/office/drawing/2014/main" id="{90815E4E-3AE5-0C35-46CD-EE62C312C3B1}"/>
+                <a16:creationId xmlns:a16="http://schemas.microsoft.com/office/drawing/2014/main" id="{BC9AACF9-EAD6-BBD3-D5B6-E37450614D73}"/>
               </a:ext>
             </a:extLst>
           </p:cNvPr>
@@ -4008,7 +4210,7 @@
             <a:pPr algn="ctr"/>
             <a:r>
               <a:rPr lang="en-US" b="1" dirty="0"/>
-              <a:t>Identifying Significant Sentiment Spikes</a:t>
+              <a:t>Word Clouds by Sentiment</a:t>
             </a:r>
             <a:br>
               <a:rPr lang="en-US" b="1" dirty="0"/>
@@ -4019,10 +4221,10 @@
       </p:sp>
       <p:pic>
         <p:nvPicPr>
-          <p:cNvPr id="5" name="Content Placeholder 4">
-            <a:extLst>
-              <a:ext uri="{FF2B5EF4-FFF2-40B4-BE49-F238E27FC236}">
-                <a16:creationId xmlns:a16="http://schemas.microsoft.com/office/drawing/2014/main" id="{CC2CC40A-0C81-746C-8893-60A5D564C0BE}"/>
+          <p:cNvPr id="9" name="Content Placeholder 8">
+            <a:extLst>
+              <a:ext uri="{FF2B5EF4-FFF2-40B4-BE49-F238E27FC236}">
+                <a16:creationId xmlns:a16="http://schemas.microsoft.com/office/drawing/2014/main" id="{2961F24B-99B8-5692-9FE7-8C50A3807C28}"/>
               </a:ext>
             </a:extLst>
           </p:cNvPr>
@@ -4041,8 +4243,8 @@
         </p:blipFill>
         <p:spPr>
           <a:xfrm>
-            <a:off x="1343168" y="1160060"/>
-            <a:ext cx="9083121" cy="5332815"/>
+            <a:off x="838200" y="1501254"/>
+            <a:ext cx="10515600" cy="4435522"/>
           </a:xfrm>
           <a:prstGeom prst="rect">
             <a:avLst/>
@@ -4052,7 +4254,7 @@
     </p:spTree>
     <p:extLst>
       <p:ext uri="{BB962C8B-B14F-4D97-AF65-F5344CB8AC3E}">
-        <p14:creationId xmlns:p14="http://schemas.microsoft.com/office/powerpoint/2010/main" val="2960084268"/>
+        <p14:creationId xmlns:p14="http://schemas.microsoft.com/office/powerpoint/2010/main" val="1111147542"/>
       </p:ext>
     </p:extLst>
   </p:cSld>
@@ -4084,7 +4286,7 @@
           <p:cNvPr id="2" name="Title 1">
             <a:extLst>
               <a:ext uri="{FF2B5EF4-FFF2-40B4-BE49-F238E27FC236}">
-                <a16:creationId xmlns:a16="http://schemas.microsoft.com/office/drawing/2014/main" id="{BC62634B-DC5C-0124-BA4B-3F86C4B3153E}"/>
+                <a16:creationId xmlns:a16="http://schemas.microsoft.com/office/drawing/2014/main" id="{90815E4E-3AE5-0C35-46CD-EE62C312C3B1}"/>
               </a:ext>
             </a:extLst>
           </p:cNvPr>
@@ -4097,36 +4299,24 @@
         </p:nvSpPr>
         <p:spPr/>
         <p:txBody>
-          <a:bodyPr>
-            <a:normAutofit fontScale="90000"/>
-          </a:bodyPr>
+          <a:bodyPr/>
           <a:lstStyle/>
           <a:p>
             <a:pPr algn="ctr"/>
             <a:r>
               <a:rPr lang="en-US" b="1" dirty="0"/>
-              <a:t>Machine Learning Model Performance</a:t>
-            </a:r>
-            <a:br>
-              <a:rPr lang="en-US" b="1" dirty="0"/>
-            </a:br>
-            <a:r>
-              <a:rPr lang="en-US" b="1" dirty="0"/>
-              <a:t>(Confusion Matrix)</a:t>
-            </a:r>
-            <a:br>
-              <a:rPr lang="en-US" b="1" dirty="0"/>
-            </a:br>
+              <a:t>Positive sentiment spikes</a:t>
+            </a:r>
             <a:endParaRPr lang="en-US" dirty="0"/>
           </a:p>
         </p:txBody>
       </p:sp>
       <p:pic>
         <p:nvPicPr>
-          <p:cNvPr id="5" name="Content Placeholder 4">
-            <a:extLst>
-              <a:ext uri="{FF2B5EF4-FFF2-40B4-BE49-F238E27FC236}">
-                <a16:creationId xmlns:a16="http://schemas.microsoft.com/office/drawing/2014/main" id="{09287625-103D-5963-D76B-DDEFD56460F2}"/>
+          <p:cNvPr id="7" name="Content Placeholder 6">
+            <a:extLst>
+              <a:ext uri="{FF2B5EF4-FFF2-40B4-BE49-F238E27FC236}">
+                <a16:creationId xmlns:a16="http://schemas.microsoft.com/office/drawing/2014/main" id="{0426D043-FB5E-7BF9-9293-EAEE765CECBB}"/>
               </a:ext>
             </a:extLst>
           </p:cNvPr>
@@ -4145,8 +4335,8 @@
         </p:blipFill>
         <p:spPr>
           <a:xfrm>
-            <a:off x="3326631" y="1825625"/>
-            <a:ext cx="5538737" cy="4351338"/>
+            <a:off x="1799625" y="2091265"/>
+            <a:ext cx="8592749" cy="3820058"/>
           </a:xfrm>
           <a:prstGeom prst="rect">
             <a:avLst/>
@@ -4156,7 +4346,7 @@
     </p:spTree>
     <p:extLst>
       <p:ext uri="{BB962C8B-B14F-4D97-AF65-F5344CB8AC3E}">
-        <p14:creationId xmlns:p14="http://schemas.microsoft.com/office/powerpoint/2010/main" val="180088900"/>
+        <p14:creationId xmlns:p14="http://schemas.microsoft.com/office/powerpoint/2010/main" val="2960084268"/>
       </p:ext>
     </p:extLst>
   </p:cSld>
@@ -4188,7 +4378,7 @@
           <p:cNvPr id="2" name="Title 1">
             <a:extLst>
               <a:ext uri="{FF2B5EF4-FFF2-40B4-BE49-F238E27FC236}">
-                <a16:creationId xmlns:a16="http://schemas.microsoft.com/office/drawing/2014/main" id="{980F7316-37E2-9D47-ED60-9822E30CF16E}"/>
+                <a16:creationId xmlns:a16="http://schemas.microsoft.com/office/drawing/2014/main" id="{B873A636-3CCB-3580-2413-54CD1E7FD71A}"/>
               </a:ext>
             </a:extLst>
           </p:cNvPr>
@@ -4201,27 +4391,14 @@
         </p:nvSpPr>
         <p:spPr/>
         <p:txBody>
-          <a:bodyPr>
-            <a:normAutofit fontScale="90000"/>
-          </a:bodyPr>
+          <a:bodyPr/>
           <a:lstStyle/>
           <a:p>
             <a:pPr algn="ctr"/>
             <a:r>
               <a:rPr lang="en-US" b="1" dirty="0"/>
-              <a:t> Deep Dive: Brand-Specific Sentiment</a:t>
-            </a:r>
-            <a:br>
-              <a:rPr lang="en-US" b="1" dirty="0"/>
-            </a:br>
-            <a:r>
-              <a:rPr lang="en-US" b="1" dirty="0"/>
-              <a:t>Brand-Specific Sentiment Distribution</a:t>
-            </a:r>
-            <a:br>
-              <a:rPr lang="en-US" b="1" dirty="0"/>
-            </a:br>
-            <a:endParaRPr lang="en-US" dirty="0"/>
+              <a:t>Negative sentiment spikes</a:t>
+            </a:r>
           </a:p>
         </p:txBody>
       </p:sp>
@@ -4230,7 +4407,7 @@
           <p:cNvPr id="5" name="Content Placeholder 4">
             <a:extLst>
               <a:ext uri="{FF2B5EF4-FFF2-40B4-BE49-F238E27FC236}">
-                <a16:creationId xmlns:a16="http://schemas.microsoft.com/office/drawing/2014/main" id="{DA707D64-AE65-20DA-061B-D860C78DB5A6}"/>
+                <a16:creationId xmlns:a16="http://schemas.microsoft.com/office/drawing/2014/main" id="{9137A683-4893-FA12-1818-656D663C88BD}"/>
               </a:ext>
             </a:extLst>
           </p:cNvPr>
@@ -4249,8 +4426,8 @@
         </p:blipFill>
         <p:spPr>
           <a:xfrm>
-            <a:off x="2332203" y="1825625"/>
-            <a:ext cx="7527593" cy="4351338"/>
+            <a:off x="1775809" y="2119844"/>
+            <a:ext cx="8640381" cy="3762900"/>
           </a:xfrm>
           <a:prstGeom prst="rect">
             <a:avLst/>
@@ -4260,7 +4437,7 @@
     </p:spTree>
     <p:extLst>
       <p:ext uri="{BB962C8B-B14F-4D97-AF65-F5344CB8AC3E}">
-        <p14:creationId xmlns:p14="http://schemas.microsoft.com/office/powerpoint/2010/main" val="3270901464"/>
+        <p14:creationId xmlns:p14="http://schemas.microsoft.com/office/powerpoint/2010/main" val="3262498807"/>
       </p:ext>
     </p:extLst>
   </p:cSld>
@@ -4292,7 +4469,7 @@
           <p:cNvPr id="2" name="Title 1">
             <a:extLst>
               <a:ext uri="{FF2B5EF4-FFF2-40B4-BE49-F238E27FC236}">
-                <a16:creationId xmlns:a16="http://schemas.microsoft.com/office/drawing/2014/main" id="{C8A141CB-6D1B-D491-FA5F-9A15E5660DC1}"/>
+                <a16:creationId xmlns:a16="http://schemas.microsoft.com/office/drawing/2014/main" id="{BC62634B-DC5C-0124-BA4B-3F86C4B3153E}"/>
               </a:ext>
             </a:extLst>
           </p:cNvPr>
@@ -4305,18 +4482,27 @@
         </p:nvSpPr>
         <p:spPr/>
         <p:txBody>
-          <a:bodyPr/>
+          <a:bodyPr>
+            <a:normAutofit fontScale="90000"/>
+          </a:bodyPr>
           <a:lstStyle/>
           <a:p>
             <a:pPr algn="ctr"/>
             <a:r>
               <a:rPr lang="en-US" b="1" dirty="0"/>
-              <a:t>Twitter brand sentiment analysis</a:t>
+              <a:t>Machine Learning Model Performance</a:t>
             </a:r>
             <a:br>
               <a:rPr lang="en-US" b="1" dirty="0"/>
             </a:br>
-            <a:endParaRPr lang="en-US" b="1" dirty="0"/>
+            <a:r>
+              <a:rPr lang="en-US" b="1" dirty="0"/>
+              <a:t>(Confusion Matrix)</a:t>
+            </a:r>
+            <a:br>
+              <a:rPr lang="en-US" b="1" dirty="0"/>
+            </a:br>
+            <a:endParaRPr lang="en-US" dirty="0"/>
           </a:p>
         </p:txBody>
       </p:sp>
@@ -4325,7 +4511,7 @@
           <p:cNvPr id="5" name="Content Placeholder 4">
             <a:extLst>
               <a:ext uri="{FF2B5EF4-FFF2-40B4-BE49-F238E27FC236}">
-                <a16:creationId xmlns:a16="http://schemas.microsoft.com/office/drawing/2014/main" id="{D5511FD0-1B9D-8776-9B23-B8DE4F1EB182}"/>
+                <a16:creationId xmlns:a16="http://schemas.microsoft.com/office/drawing/2014/main" id="{09287625-103D-5963-D76B-DDEFD56460F2}"/>
               </a:ext>
             </a:extLst>
           </p:cNvPr>
@@ -4344,8 +4530,8 @@
         </p:blipFill>
         <p:spPr>
           <a:xfrm>
-            <a:off x="2068286" y="1880054"/>
-            <a:ext cx="8403772" cy="4749346"/>
+            <a:off x="3326631" y="1825625"/>
+            <a:ext cx="5538737" cy="4351338"/>
           </a:xfrm>
           <a:prstGeom prst="rect">
             <a:avLst/>
@@ -4355,7 +4541,7 @@
     </p:spTree>
     <p:extLst>
       <p:ext uri="{BB962C8B-B14F-4D97-AF65-F5344CB8AC3E}">
-        <p14:creationId xmlns:p14="http://schemas.microsoft.com/office/powerpoint/2010/main" val="3356155808"/>
+        <p14:creationId xmlns:p14="http://schemas.microsoft.com/office/powerpoint/2010/main" val="180088900"/>
       </p:ext>
     </p:extLst>
   </p:cSld>
